--- a/pptx/第5章 广义与一般线性模型.pptx
+++ b/pptx/第5章 广义与一般线性模型.pptx
@@ -5382,8 +5382,8 @@
         </p:nvSpPr>
         <p:spPr>
           <a:xfrm>
-            <a:off x="2957297" y="2767816"/>
-            <a:ext cx="5723042" cy="646331"/>
+            <a:off x="2454906" y="2767816"/>
+            <a:ext cx="6727825" cy="645160"/>
           </a:xfrm>
           <a:prstGeom prst="rect">
             <a:avLst/>
@@ -5456,7 +5456,40 @@
                 <a:ea typeface="微软雅黑" panose="020B0503020204020204" pitchFamily="2" charset="-122"/>
                 <a:sym typeface="微软雅黑" panose="020B0503020204020204" pitchFamily="2" charset="-122"/>
               </a:rPr>
-              <a:t>建模 </a:t>
+              <a:t>建模（</a:t>
+            </a:r>
+            <a:r>
+              <a:rPr lang="en-US" altLang="zh-CN" sz="3600" b="1" dirty="0" smtClean="0">
+                <a:solidFill>
+                  <a:srgbClr val="1115C3"/>
+                </a:solidFill>
+                <a:latin typeface="微软雅黑" panose="020B0503020204020204" pitchFamily="2" charset="-122"/>
+                <a:ea typeface="微软雅黑" panose="020B0503020204020204" pitchFamily="2" charset="-122"/>
+                <a:sym typeface="微软雅黑" panose="020B0503020204020204" pitchFamily="2" charset="-122"/>
+              </a:rPr>
+              <a:t>5</a:t>
+            </a:r>
+            <a:r>
+              <a:rPr lang="zh-CN" altLang="en-US" sz="3600" b="1" dirty="0" smtClean="0">
+                <a:solidFill>
+                  <a:srgbClr val="1115C3"/>
+                </a:solidFill>
+                <a:latin typeface="微软雅黑" panose="020B0503020204020204" pitchFamily="2" charset="-122"/>
+                <a:ea typeface="微软雅黑" panose="020B0503020204020204" pitchFamily="2" charset="-122"/>
+                <a:sym typeface="微软雅黑" panose="020B0503020204020204" pitchFamily="2" charset="-122"/>
+              </a:rPr>
+              <a:t>）</a:t>
+            </a:r>
+            <a:r>
+              <a:rPr lang="zh-CN" altLang="en-US" sz="3600" b="1" dirty="0" smtClean="0">
+                <a:solidFill>
+                  <a:srgbClr val="1115C3"/>
+                </a:solidFill>
+                <a:latin typeface="微软雅黑" panose="020B0503020204020204" pitchFamily="2" charset="-122"/>
+                <a:ea typeface="微软雅黑" panose="020B0503020204020204" pitchFamily="2" charset="-122"/>
+                <a:sym typeface="微软雅黑" panose="020B0503020204020204" pitchFamily="2" charset="-122"/>
+              </a:rPr>
+              <a:t> </a:t>
             </a:r>
             <a:endParaRPr lang="zh-CN" altLang="en-US" sz="3600" b="1" dirty="0">
               <a:solidFill>
@@ -5522,7 +5555,6 @@
             <a:pPr lvl="0"/>
             <a:r>
               <a:rPr lang="zh-CN" altLang="en-US" sz="3200" b="1" dirty="0">
-                <a:ln/>
                 <a:solidFill>
                   <a:schemeClr val="accent1"/>
                 </a:solidFill>
@@ -5540,7 +5572,6 @@
             </a:r>
             <a:r>
               <a:rPr lang="en-US" altLang="zh-CN" sz="3200" b="1" dirty="0">
-                <a:ln/>
                 <a:solidFill>
                   <a:schemeClr val="accent1"/>
                 </a:solidFill>
@@ -5558,7 +5589,6 @@
             </a:r>
             <a:r>
               <a:rPr lang="zh-CN" altLang="en-US" sz="3200" b="1" dirty="0">
-                <a:ln/>
                 <a:solidFill>
                   <a:schemeClr val="accent1"/>
                 </a:solidFill>
@@ -5576,7 +5606,6 @@
             </a:r>
             <a:r>
               <a:rPr lang="en-US" altLang="zh-CN" sz="3200" b="1" dirty="0">
-                <a:ln/>
                 <a:solidFill>
                   <a:schemeClr val="accent1"/>
                 </a:solidFill>
@@ -5594,7 +5623,6 @@
             </a:r>
             <a:r>
               <a:rPr lang="zh-CN" altLang="en-US" sz="3200" b="1" dirty="0">
-                <a:ln/>
                 <a:solidFill>
                   <a:schemeClr val="accent1"/>
                 </a:solidFill>
@@ -5611,7 +5639,6 @@
               <a:t>使用</a:t>
             </a:r>
             <a:endParaRPr lang="zh-CN" altLang="en-US" sz="3200" b="1" dirty="0">
-              <a:ln/>
               <a:solidFill>
                 <a:schemeClr val="accent1"/>
               </a:solidFill>
@@ -10908,7 +10935,7 @@
         </p:nvGraphicFramePr>
         <p:xfrm>
           <a:off x="3095419" y="4608486"/>
-          <a:ext cx="5177790" cy="1362710"/>
+          <a:ext cx="5177940" cy="1363005"/>
         </p:xfrm>
         <a:graphic>
           <a:graphicData uri="http://schemas.openxmlformats.org/drawingml/2006/table">
